--- a/data/attention.pptx
+++ b/data/attention.pptx
@@ -243,7 +243,7 @@
           <a:p>
             <a:fld id="{6E812B49-C34D-4B21-BFCA-C80A706FBFD8}" type="datetimeFigureOut">
               <a:rPr lang="zh-CN" altLang="en-US" smtClean="0"/>
-              <a:t>2024/7/21</a:t>
+              <a:t>2024/7/30</a:t>
             </a:fld>
             <a:endParaRPr lang="zh-CN" altLang="en-US"/>
           </a:p>
@@ -413,7 +413,7 @@
           <a:p>
             <a:fld id="{6E812B49-C34D-4B21-BFCA-C80A706FBFD8}" type="datetimeFigureOut">
               <a:rPr lang="zh-CN" altLang="en-US" smtClean="0"/>
-              <a:t>2024/7/21</a:t>
+              <a:t>2024/7/30</a:t>
             </a:fld>
             <a:endParaRPr lang="zh-CN" altLang="en-US"/>
           </a:p>
@@ -593,7 +593,7 @@
           <a:p>
             <a:fld id="{6E812B49-C34D-4B21-BFCA-C80A706FBFD8}" type="datetimeFigureOut">
               <a:rPr lang="zh-CN" altLang="en-US" smtClean="0"/>
-              <a:t>2024/7/21</a:t>
+              <a:t>2024/7/30</a:t>
             </a:fld>
             <a:endParaRPr lang="zh-CN" altLang="en-US"/>
           </a:p>
@@ -763,7 +763,7 @@
           <a:p>
             <a:fld id="{6E812B49-C34D-4B21-BFCA-C80A706FBFD8}" type="datetimeFigureOut">
               <a:rPr lang="zh-CN" altLang="en-US" smtClean="0"/>
-              <a:t>2024/7/21</a:t>
+              <a:t>2024/7/30</a:t>
             </a:fld>
             <a:endParaRPr lang="zh-CN" altLang="en-US"/>
           </a:p>
@@ -1007,7 +1007,7 @@
           <a:p>
             <a:fld id="{6E812B49-C34D-4B21-BFCA-C80A706FBFD8}" type="datetimeFigureOut">
               <a:rPr lang="zh-CN" altLang="en-US" smtClean="0"/>
-              <a:t>2024/7/21</a:t>
+              <a:t>2024/7/30</a:t>
             </a:fld>
             <a:endParaRPr lang="zh-CN" altLang="en-US"/>
           </a:p>
@@ -1239,7 +1239,7 @@
           <a:p>
             <a:fld id="{6E812B49-C34D-4B21-BFCA-C80A706FBFD8}" type="datetimeFigureOut">
               <a:rPr lang="zh-CN" altLang="en-US" smtClean="0"/>
-              <a:t>2024/7/21</a:t>
+              <a:t>2024/7/30</a:t>
             </a:fld>
             <a:endParaRPr lang="zh-CN" altLang="en-US"/>
           </a:p>
@@ -1606,7 +1606,7 @@
           <a:p>
             <a:fld id="{6E812B49-C34D-4B21-BFCA-C80A706FBFD8}" type="datetimeFigureOut">
               <a:rPr lang="zh-CN" altLang="en-US" smtClean="0"/>
-              <a:t>2024/7/21</a:t>
+              <a:t>2024/7/30</a:t>
             </a:fld>
             <a:endParaRPr lang="zh-CN" altLang="en-US"/>
           </a:p>
@@ -1724,7 +1724,7 @@
           <a:p>
             <a:fld id="{6E812B49-C34D-4B21-BFCA-C80A706FBFD8}" type="datetimeFigureOut">
               <a:rPr lang="zh-CN" altLang="en-US" smtClean="0"/>
-              <a:t>2024/7/21</a:t>
+              <a:t>2024/7/30</a:t>
             </a:fld>
             <a:endParaRPr lang="zh-CN" altLang="en-US"/>
           </a:p>
@@ -1819,7 +1819,7 @@
           <a:p>
             <a:fld id="{6E812B49-C34D-4B21-BFCA-C80A706FBFD8}" type="datetimeFigureOut">
               <a:rPr lang="zh-CN" altLang="en-US" smtClean="0"/>
-              <a:t>2024/7/21</a:t>
+              <a:t>2024/7/30</a:t>
             </a:fld>
             <a:endParaRPr lang="zh-CN" altLang="en-US"/>
           </a:p>
@@ -2096,7 +2096,7 @@
           <a:p>
             <a:fld id="{6E812B49-C34D-4B21-BFCA-C80A706FBFD8}" type="datetimeFigureOut">
               <a:rPr lang="zh-CN" altLang="en-US" smtClean="0"/>
-              <a:t>2024/7/21</a:t>
+              <a:t>2024/7/30</a:t>
             </a:fld>
             <a:endParaRPr lang="zh-CN" altLang="en-US"/>
           </a:p>
@@ -2353,7 +2353,7 @@
           <a:p>
             <a:fld id="{6E812B49-C34D-4B21-BFCA-C80A706FBFD8}" type="datetimeFigureOut">
               <a:rPr lang="zh-CN" altLang="en-US" smtClean="0"/>
-              <a:t>2024/7/21</a:t>
+              <a:t>2024/7/30</a:t>
             </a:fld>
             <a:endParaRPr lang="zh-CN" altLang="en-US"/>
           </a:p>
@@ -2566,7 +2566,7 @@
           <a:p>
             <a:fld id="{6E812B49-C34D-4B21-BFCA-C80A706FBFD8}" type="datetimeFigureOut">
               <a:rPr lang="zh-CN" altLang="en-US" smtClean="0"/>
-              <a:t>2024/7/21</a:t>
+              <a:t>2024/7/30</a:t>
             </a:fld>
             <a:endParaRPr lang="zh-CN" altLang="en-US"/>
           </a:p>
@@ -2985,7 +2985,7 @@
         </p:nvSpPr>
         <p:spPr>
           <a:xfrm>
-            <a:off x="7274555" y="5255490"/>
+            <a:off x="7223755" y="5255490"/>
             <a:ext cx="4595065" cy="3813511"/>
           </a:xfrm>
           <a:prstGeom prst="roundRect">
@@ -8290,7 +8290,7 @@
         </p:nvSpPr>
         <p:spPr>
           <a:xfrm>
-            <a:off x="773953" y="8191773"/>
+            <a:off x="773953" y="8196040"/>
             <a:ext cx="399639" cy="399639"/>
           </a:xfrm>
           <a:prstGeom prst="ellipse">
@@ -8682,8 +8682,8 @@
         </p:nvCxnSpPr>
         <p:spPr>
           <a:xfrm>
-            <a:off x="973772" y="7927325"/>
-            <a:ext cx="0" cy="264447"/>
+            <a:off x="973773" y="7927326"/>
+            <a:ext cx="0" cy="268714"/>
           </a:xfrm>
           <a:prstGeom prst="straightConnector1">
             <a:avLst/>
@@ -8721,7 +8721,7 @@
         </p:nvSpPr>
         <p:spPr>
           <a:xfrm>
-            <a:off x="2217702" y="8199733"/>
+            <a:off x="2217702" y="8196040"/>
             <a:ext cx="399639" cy="399639"/>
           </a:xfrm>
           <a:prstGeom prst="ellipse">
@@ -8844,8 +8844,8 @@
         </p:nvCxnSpPr>
         <p:spPr>
           <a:xfrm flipH="1">
-            <a:off x="2417521" y="7927326"/>
-            <a:ext cx="7146" cy="272408"/>
+            <a:off x="2417522" y="7927326"/>
+            <a:ext cx="7145" cy="268714"/>
           </a:xfrm>
           <a:prstGeom prst="straightConnector1">
             <a:avLst/>
@@ -8886,8 +8886,8 @@
         </p:nvCxnSpPr>
         <p:spPr>
           <a:xfrm>
-            <a:off x="1173592" y="8391593"/>
-            <a:ext cx="1044110" cy="7960"/>
+            <a:off x="1173592" y="8395860"/>
+            <a:ext cx="1044110" cy="0"/>
           </a:xfrm>
           <a:prstGeom prst="straightConnector1">
             <a:avLst/>
@@ -8925,7 +8925,7 @@
         </p:nvGrpSpPr>
         <p:grpSpPr>
           <a:xfrm>
-            <a:off x="3530600" y="6211533"/>
+            <a:off x="4191000" y="6211533"/>
             <a:ext cx="962499" cy="1266813"/>
             <a:chOff x="408177" y="540927"/>
             <a:chExt cx="797668" cy="1049868"/>
@@ -9134,152 +9134,6 @@
           </p:style>
         </p:cxnSp>
       </p:grpSp>
-      <mc:AlternateContent xmlns:mc="http://schemas.openxmlformats.org/markup-compatibility/2006" xmlns:a14="http://schemas.microsoft.com/office/drawing/2010/main">
-        <mc:Choice Requires="a14">
-          <p:sp>
-            <p:nvSpPr>
-              <p:cNvPr id="371" name="矩形: 圆角 370">
-                <a:extLst>
-                  <a:ext uri="{FF2B5EF4-FFF2-40B4-BE49-F238E27FC236}">
-                    <a16:creationId xmlns:a16="http://schemas.microsoft.com/office/drawing/2014/main" id="{989E0233-C955-4342-875B-FDB6FC5A1906}"/>
-                  </a:ext>
-                </a:extLst>
-              </p:cNvPr>
-              <p:cNvSpPr/>
-              <p:nvPr/>
-            </p:nvSpPr>
-            <p:spPr>
-              <a:xfrm>
-                <a:off x="4211066" y="5236248"/>
-                <a:ext cx="962499" cy="385304"/>
-              </a:xfrm>
-              <a:prstGeom prst="roundRect">
-                <a:avLst/>
-              </a:prstGeom>
-              <a:solidFill>
-                <a:schemeClr val="accent2">
-                  <a:lumMod val="20000"/>
-                  <a:lumOff val="80000"/>
-                </a:schemeClr>
-              </a:solidFill>
-              <a:ln>
-                <a:solidFill>
-                  <a:schemeClr val="tx1"/>
-                </a:solidFill>
-              </a:ln>
-            </p:spPr>
-            <p:style>
-              <a:lnRef idx="2">
-                <a:schemeClr val="accent6"/>
-              </a:lnRef>
-              <a:fillRef idx="1">
-                <a:schemeClr val="lt1"/>
-              </a:fillRef>
-              <a:effectRef idx="0">
-                <a:schemeClr val="accent6"/>
-              </a:effectRef>
-              <a:fontRef idx="minor">
-                <a:schemeClr val="dk1"/>
-              </a:fontRef>
-            </p:style>
-            <p:txBody>
-              <a:bodyPr rot="0" spcFirstLastPara="0" vertOverflow="overflow" horzOverflow="overflow" vert="horz" wrap="square" lIns="110335" tIns="55168" rIns="110335" bIns="55168" numCol="1" spcCol="0" rtlCol="0" fromWordArt="0" anchor="ctr" anchorCtr="0" forceAA="0" compatLnSpc="1">
-                <a:prstTxWarp prst="textNoShape">
-                  <a:avLst/>
-                </a:prstTxWarp>
-                <a:noAutofit/>
-              </a:bodyPr>
-              <a:lstStyle/>
-              <a:p>
-                <a:pPr algn="ctr"/>
-                <a14:m>
-                  <m:oMathPara xmlns:m="http://schemas.openxmlformats.org/officeDocument/2006/math">
-                    <m:oMathParaPr>
-                      <m:jc m:val="centerGroup"/>
-                    </m:oMathParaPr>
-                    <m:oMath xmlns:m="http://schemas.openxmlformats.org/officeDocument/2006/math">
-                      <m:r>
-                        <a:rPr lang="en-US" altLang="zh-CN" sz="2000" i="1">
-                          <a:latin typeface="Cambria Math" panose="02040503050406030204" pitchFamily="18" charset="0"/>
-                        </a:rPr>
-                        <m:t>𝑋</m:t>
-                      </m:r>
-                      <m:r>
-                        <a:rPr lang="en-US" altLang="zh-CN" sz="2000" i="1">
-                          <a:latin typeface="Cambria Math" panose="02040503050406030204" pitchFamily="18" charset="0"/>
-                        </a:rPr>
-                        <m:t>′[</m:t>
-                      </m:r>
-                      <m:r>
-                        <a:rPr lang="en-US" altLang="zh-CN" sz="2000" i="1">
-                          <a:latin typeface="Cambria Math" panose="02040503050406030204" pitchFamily="18" charset="0"/>
-                        </a:rPr>
-                        <m:t>𝑡</m:t>
-                      </m:r>
-                      <m:r>
-                        <a:rPr lang="en-US" altLang="zh-CN" sz="2000" i="1">
-                          <a:latin typeface="Cambria Math" panose="02040503050406030204" pitchFamily="18" charset="0"/>
-                        </a:rPr>
-                        <m:t>]</m:t>
-                      </m:r>
-                    </m:oMath>
-                  </m:oMathPara>
-                </a14:m>
-                <a:endParaRPr lang="zh-CN" altLang="en-US" sz="2000" dirty="0"/>
-              </a:p>
-            </p:txBody>
-          </p:sp>
-        </mc:Choice>
-        <mc:Fallback xmlns="">
-          <p:sp>
-            <p:nvSpPr>
-              <p:cNvPr id="371" name="矩形: 圆角 370">
-                <a:extLst>
-                  <a:ext uri="{FF2B5EF4-FFF2-40B4-BE49-F238E27FC236}">
-                    <a16:creationId xmlns:a16="http://schemas.microsoft.com/office/drawing/2014/main" id="{989E0233-C955-4342-875B-FDB6FC5A1906}"/>
-                  </a:ext>
-                </a:extLst>
-              </p:cNvPr>
-              <p:cNvSpPr>
-                <a:spLocks noRot="1" noChangeAspect="1" noMove="1" noResize="1" noEditPoints="1" noAdjustHandles="1" noChangeArrowheads="1" noChangeShapeType="1" noTextEdit="1"/>
-              </p:cNvSpPr>
-              <p:nvPr/>
-            </p:nvSpPr>
-            <p:spPr>
-              <a:xfrm>
-                <a:off x="4211066" y="5236248"/>
-                <a:ext cx="962499" cy="385304"/>
-              </a:xfrm>
-              <a:prstGeom prst="roundRect">
-                <a:avLst/>
-              </a:prstGeom>
-              <a:blipFill>
-                <a:blip r:embed="rId10"/>
-                <a:stretch>
-                  <a:fillRect b="-16923"/>
-                </a:stretch>
-              </a:blipFill>
-              <a:ln>
-                <a:solidFill>
-                  <a:schemeClr val="tx1"/>
-                </a:solidFill>
-              </a:ln>
-            </p:spPr>
-            <p:txBody>
-              <a:bodyPr/>
-              <a:lstStyle/>
-              <a:p>
-                <a:r>
-                  <a:rPr lang="zh-CN" altLang="en-US">
-                    <a:noFill/>
-                  </a:rPr>
-                  <a:t> </a:t>
-                </a:r>
-              </a:p>
-            </p:txBody>
-          </p:sp>
-        </mc:Fallback>
-      </mc:AlternateContent>
       <p:grpSp>
         <p:nvGrpSpPr>
           <p:cNvPr id="372" name="组合 371">
@@ -9294,7 +9148,7 @@
         </p:nvGrpSpPr>
         <p:grpSpPr>
           <a:xfrm>
-            <a:off x="4974349" y="6211533"/>
+            <a:off x="5634749" y="6211533"/>
             <a:ext cx="962499" cy="1266813"/>
             <a:chOff x="408177" y="540927"/>
             <a:chExt cx="797668" cy="1049868"/>
@@ -9503,90 +9357,6 @@
           </p:style>
         </p:cxnSp>
       </p:grpSp>
-      <p:cxnSp>
-        <p:nvCxnSpPr>
-          <p:cNvPr id="377" name="连接符: 肘形 376">
-            <a:extLst>
-              <a:ext uri="{FF2B5EF4-FFF2-40B4-BE49-F238E27FC236}">
-                <a16:creationId xmlns:a16="http://schemas.microsoft.com/office/drawing/2014/main" id="{E3057828-D49E-43DA-8139-FD295CA38334}"/>
-              </a:ext>
-            </a:extLst>
-          </p:cNvPr>
-          <p:cNvCxnSpPr>
-            <a:stCxn id="371" idx="2"/>
-            <a:endCxn id="367" idx="0"/>
-          </p:cNvCxnSpPr>
-          <p:nvPr/>
-        </p:nvCxnSpPr>
-        <p:spPr>
-          <a:xfrm rot="5400000">
-            <a:off x="4057098" y="5576309"/>
-            <a:ext cx="589981" cy="680466"/>
-          </a:xfrm>
-          <a:prstGeom prst="bentConnector3">
-            <a:avLst/>
-          </a:prstGeom>
-          <a:ln>
-            <a:tailEnd type="triangle"/>
-          </a:ln>
-        </p:spPr>
-        <p:style>
-          <a:lnRef idx="1">
-            <a:schemeClr val="dk1"/>
-          </a:lnRef>
-          <a:fillRef idx="0">
-            <a:schemeClr val="dk1"/>
-          </a:fillRef>
-          <a:effectRef idx="0">
-            <a:schemeClr val="dk1"/>
-          </a:effectRef>
-          <a:fontRef idx="minor">
-            <a:schemeClr val="tx1"/>
-          </a:fontRef>
-        </p:style>
-      </p:cxnSp>
-      <p:cxnSp>
-        <p:nvCxnSpPr>
-          <p:cNvPr id="378" name="连接符: 肘形 377">
-            <a:extLst>
-              <a:ext uri="{FF2B5EF4-FFF2-40B4-BE49-F238E27FC236}">
-                <a16:creationId xmlns:a16="http://schemas.microsoft.com/office/drawing/2014/main" id="{289F77F6-CFE9-457D-AD9E-E1C41E528E6E}"/>
-              </a:ext>
-            </a:extLst>
-          </p:cNvPr>
-          <p:cNvCxnSpPr>
-            <a:stCxn id="371" idx="2"/>
-            <a:endCxn id="373" idx="0"/>
-          </p:cNvCxnSpPr>
-          <p:nvPr/>
-        </p:nvCxnSpPr>
-        <p:spPr>
-          <a:xfrm rot="16200000" flipH="1">
-            <a:off x="4778972" y="5534901"/>
-            <a:ext cx="589981" cy="763282"/>
-          </a:xfrm>
-          <a:prstGeom prst="bentConnector3">
-            <a:avLst/>
-          </a:prstGeom>
-          <a:ln>
-            <a:tailEnd type="triangle"/>
-          </a:ln>
-        </p:spPr>
-        <p:style>
-          <a:lnRef idx="1">
-            <a:schemeClr val="dk1"/>
-          </a:lnRef>
-          <a:fillRef idx="0">
-            <a:schemeClr val="dk1"/>
-          </a:fillRef>
-          <a:effectRef idx="0">
-            <a:schemeClr val="dk1"/>
-          </a:effectRef>
-          <a:fontRef idx="minor">
-            <a:schemeClr val="tx1"/>
-          </a:fontRef>
-        </p:style>
-      </p:cxnSp>
       <p:sp>
         <p:nvSpPr>
           <p:cNvPr id="379" name="椭圆 378">
@@ -9601,7 +9371,7 @@
         </p:nvSpPr>
         <p:spPr>
           <a:xfrm>
-            <a:off x="3812030" y="8182941"/>
+            <a:off x="4472430" y="8196040"/>
             <a:ext cx="399639" cy="399639"/>
           </a:xfrm>
           <a:prstGeom prst="ellipse">
@@ -9664,7 +9434,7 @@
             </p:nvSpPr>
             <p:spPr>
               <a:xfrm>
-                <a:off x="3937784" y="8209691"/>
+                <a:off x="4598184" y="8209691"/>
                 <a:ext cx="174022" cy="260905"/>
               </a:xfrm>
               <a:prstGeom prst="rect">
@@ -9732,7 +9502,7 @@
             </p:nvSpPr>
             <p:spPr>
               <a:xfrm>
-                <a:off x="3937784" y="8209691"/>
+                <a:off x="4598184" y="8209691"/>
                 <a:ext cx="174022" cy="260905"/>
               </a:xfrm>
               <a:prstGeom prst="rect">
@@ -9741,7 +9511,7 @@
               <a:blipFill>
                 <a:blip r:embed="rId11"/>
                 <a:stretch>
-                  <a:fillRect l="-196552" t="-158140" r="-203448" b="-216279"/>
+                  <a:fillRect l="-193103" t="-158140" r="-206897" b="-216279"/>
                 </a:stretch>
               </a:blipFill>
             </p:spPr>
@@ -9776,7 +9546,7 @@
             </p:nvSpPr>
             <p:spPr>
               <a:xfrm>
-                <a:off x="3947389" y="8413012"/>
+                <a:off x="4607789" y="8413012"/>
                 <a:ext cx="118301" cy="169277"/>
               </a:xfrm>
               <a:prstGeom prst="rect">
@@ -9828,7 +9598,7 @@
             </p:nvSpPr>
             <p:spPr>
               <a:xfrm>
-                <a:off x="3947389" y="8413012"/>
+                <a:off x="4607789" y="8413012"/>
                 <a:ext cx="118301" cy="169277"/>
               </a:xfrm>
               <a:prstGeom prst="rect">
@@ -9870,7 +9640,7 @@
         </p:nvSpPr>
         <p:spPr>
           <a:xfrm>
-            <a:off x="3530600" y="7488108"/>
+            <a:off x="4191000" y="7488108"/>
             <a:ext cx="962499" cy="430386"/>
           </a:xfrm>
           <a:prstGeom prst="rect">
@@ -9930,7 +9700,7 @@
         </p:nvSpPr>
         <p:spPr>
           <a:xfrm>
-            <a:off x="4981495" y="7488108"/>
+            <a:off x="5641895" y="7488108"/>
             <a:ext cx="962499" cy="430386"/>
           </a:xfrm>
           <a:prstGeom prst="rect">
@@ -9993,8 +9763,8 @@
         </p:nvCxnSpPr>
         <p:spPr>
           <a:xfrm>
-            <a:off x="4011849" y="7918494"/>
-            <a:ext cx="0" cy="264447"/>
+            <a:off x="4672250" y="7918494"/>
+            <a:ext cx="0" cy="277546"/>
           </a:xfrm>
           <a:prstGeom prst="straightConnector1">
             <a:avLst/>
@@ -10032,7 +9802,7 @@
         </p:nvSpPr>
         <p:spPr>
           <a:xfrm>
-            <a:off x="5255779" y="8190902"/>
+            <a:off x="5916179" y="8196040"/>
             <a:ext cx="399639" cy="399639"/>
           </a:xfrm>
           <a:prstGeom prst="ellipse">
@@ -10089,7 +9859,7 @@
         </p:nvSpPr>
         <p:spPr>
           <a:xfrm>
-            <a:off x="5390440" y="8325563"/>
+            <a:off x="6050840" y="8325563"/>
             <a:ext cx="130317" cy="130317"/>
           </a:xfrm>
           <a:prstGeom prst="ellipse">
@@ -10155,8 +9925,8 @@
         </p:nvCxnSpPr>
         <p:spPr>
           <a:xfrm flipH="1">
-            <a:off x="5455598" y="7918494"/>
-            <a:ext cx="7146" cy="272408"/>
+            <a:off x="6115999" y="7918494"/>
+            <a:ext cx="7146" cy="277546"/>
           </a:xfrm>
           <a:prstGeom prst="straightConnector1">
             <a:avLst/>
@@ -10197,52 +9967,10 @@
         </p:nvCxnSpPr>
         <p:spPr>
           <a:xfrm>
-            <a:off x="4211670" y="8382762"/>
-            <a:ext cx="1044110" cy="7960"/>
+            <a:off x="4872069" y="8395860"/>
+            <a:ext cx="1044110" cy="0"/>
           </a:xfrm>
           <a:prstGeom prst="straightConnector1">
-            <a:avLst/>
-          </a:prstGeom>
-          <a:ln>
-            <a:tailEnd type="triangle"/>
-          </a:ln>
-        </p:spPr>
-        <p:style>
-          <a:lnRef idx="1">
-            <a:schemeClr val="dk1"/>
-          </a:lnRef>
-          <a:fillRef idx="0">
-            <a:schemeClr val="dk1"/>
-          </a:fillRef>
-          <a:effectRef idx="0">
-            <a:schemeClr val="dk1"/>
-          </a:effectRef>
-          <a:fontRef idx="minor">
-            <a:schemeClr val="tx1"/>
-          </a:fontRef>
-        </p:style>
-      </p:cxnSp>
-      <p:cxnSp>
-        <p:nvCxnSpPr>
-          <p:cNvPr id="390" name="连接符: 肘形 389">
-            <a:extLst>
-              <a:ext uri="{FF2B5EF4-FFF2-40B4-BE49-F238E27FC236}">
-                <a16:creationId xmlns:a16="http://schemas.microsoft.com/office/drawing/2014/main" id="{F7A9F07A-96ED-4BF9-BA25-97AC2DEDA2B7}"/>
-              </a:ext>
-            </a:extLst>
-          </p:cNvPr>
-          <p:cNvCxnSpPr>
-            <a:stCxn id="307" idx="6"/>
-            <a:endCxn id="371" idx="1"/>
-          </p:cNvCxnSpPr>
-          <p:nvPr/>
-        </p:nvCxnSpPr>
-        <p:spPr>
-          <a:xfrm flipV="1">
-            <a:off x="2617341" y="5428900"/>
-            <a:ext cx="1593725" cy="2970653"/>
-          </a:xfrm>
-          <a:prstGeom prst="bentConnector3">
             <a:avLst/>
           </a:prstGeom>
           <a:ln>
@@ -10274,14 +10002,14 @@
             </a:extLst>
           </p:cNvPr>
           <p:cNvCxnSpPr>
-            <a:stCxn id="385" idx="4"/>
+            <a:cxnSpLocks/>
           </p:cNvCxnSpPr>
           <p:nvPr/>
         </p:nvCxnSpPr>
         <p:spPr>
-          <a:xfrm>
-            <a:off x="5455598" y="8590541"/>
-            <a:ext cx="0" cy="440733"/>
+          <a:xfrm flipH="1">
+            <a:off x="6115997" y="8609531"/>
+            <a:ext cx="1" cy="435595"/>
           </a:xfrm>
           <a:prstGeom prst="straightConnector1">
             <a:avLst/>
@@ -10320,7 +10048,7 @@
         <p:spPr>
           <a:xfrm>
             <a:off x="1252442" y="4628009"/>
-            <a:ext cx="2307355" cy="461665"/>
+            <a:ext cx="2307355" cy="369332"/>
           </a:xfrm>
           <a:prstGeom prst="rect">
             <a:avLst/>
@@ -10334,20 +10062,20 @@
           <a:lstStyle/>
           <a:p>
             <a:r>
-              <a:rPr lang="en-US" altLang="zh-CN" sz="2400" dirty="0">
+              <a:rPr lang="en-US" altLang="zh-CN" dirty="0">
                 <a:latin typeface="Times New Roman" panose="02020603050405020304" pitchFamily="18" charset="0"/>
                 <a:cs typeface="Times New Roman" panose="02020603050405020304" pitchFamily="18" charset="0"/>
               </a:rPr>
               <a:t>(a) </a:t>
             </a:r>
             <a:r>
-              <a:rPr lang="en-US" altLang="zh-CN" sz="2400" dirty="0" err="1">
+              <a:rPr lang="en-US" altLang="zh-CN" dirty="0" err="1">
                 <a:latin typeface="Times New Roman" panose="02020603050405020304" pitchFamily="18" charset="0"/>
                 <a:cs typeface="Times New Roman" panose="02020603050405020304" pitchFamily="18" charset="0"/>
               </a:rPr>
               <a:t>Spikformer</a:t>
             </a:r>
-            <a:endParaRPr lang="zh-CN" altLang="en-US" sz="2400" dirty="0">
+            <a:endParaRPr lang="zh-CN" altLang="en-US" dirty="0">
               <a:latin typeface="Times New Roman" panose="02020603050405020304" pitchFamily="18" charset="0"/>
               <a:cs typeface="Times New Roman" panose="02020603050405020304" pitchFamily="18" charset="0"/>
             </a:endParaRPr>
@@ -10369,7 +10097,7 @@
         <p:spPr>
           <a:xfrm>
             <a:off x="4692315" y="4628009"/>
-            <a:ext cx="4031445" cy="461665"/>
+            <a:ext cx="4031445" cy="369332"/>
           </a:xfrm>
           <a:prstGeom prst="rect">
             <a:avLst/>
@@ -10383,13 +10111,13 @@
           <a:lstStyle/>
           <a:p>
             <a:r>
-              <a:rPr lang="en-US" altLang="zh-CN" sz="2400" dirty="0">
+              <a:rPr lang="en-US" altLang="zh-CN" dirty="0">
                 <a:latin typeface="Times New Roman" panose="02020603050405020304" pitchFamily="18" charset="0"/>
                 <a:cs typeface="Times New Roman" panose="02020603050405020304" pitchFamily="18" charset="0"/>
               </a:rPr>
               <a:t>(b) Spike-Driven Transformer</a:t>
             </a:r>
-            <a:endParaRPr lang="zh-CN" altLang="en-US" sz="2400" dirty="0">
+            <a:endParaRPr lang="zh-CN" altLang="en-US" dirty="0">
               <a:latin typeface="Times New Roman" panose="02020603050405020304" pitchFamily="18" charset="0"/>
               <a:cs typeface="Times New Roman" panose="02020603050405020304" pitchFamily="18" charset="0"/>
             </a:endParaRPr>
@@ -10411,7 +10139,7 @@
         <p:spPr>
           <a:xfrm>
             <a:off x="9056632" y="4628009"/>
-            <a:ext cx="2968801" cy="461665"/>
+            <a:ext cx="2968801" cy="369332"/>
           </a:xfrm>
           <a:prstGeom prst="rect">
             <a:avLst/>
@@ -10425,20 +10153,20 @@
           <a:lstStyle/>
           <a:p>
             <a:r>
-              <a:rPr lang="en-US" altLang="zh-CN" sz="2400" dirty="0">
+              <a:rPr lang="en-US" altLang="zh-CN" dirty="0">
                 <a:latin typeface="Times New Roman" panose="02020603050405020304" pitchFamily="18" charset="0"/>
                 <a:cs typeface="Times New Roman" panose="02020603050405020304" pitchFamily="18" charset="0"/>
               </a:rPr>
               <a:t>(c) </a:t>
             </a:r>
             <a:r>
-              <a:rPr lang="en-US" altLang="zh-CN" sz="2400" dirty="0" err="1">
+              <a:rPr lang="en-US" altLang="zh-CN" dirty="0" err="1">
                 <a:latin typeface="Times New Roman" panose="02020603050405020304" pitchFamily="18" charset="0"/>
                 <a:cs typeface="Times New Roman" panose="02020603050405020304" pitchFamily="18" charset="0"/>
               </a:rPr>
               <a:t>SpikingResformer</a:t>
             </a:r>
-            <a:endParaRPr lang="zh-CN" altLang="en-US" sz="2400" dirty="0">
+            <a:endParaRPr lang="zh-CN" altLang="en-US" dirty="0">
               <a:latin typeface="Times New Roman" panose="02020603050405020304" pitchFamily="18" charset="0"/>
               <a:cs typeface="Times New Roman" panose="02020603050405020304" pitchFamily="18" charset="0"/>
             </a:endParaRPr>
@@ -10460,7 +10188,7 @@
         <p:spPr>
           <a:xfrm>
             <a:off x="1252442" y="8731267"/>
-            <a:ext cx="2968801" cy="461665"/>
+            <a:ext cx="2968801" cy="369332"/>
           </a:xfrm>
           <a:prstGeom prst="rect">
             <a:avLst/>
@@ -10474,20 +10202,20 @@
           <a:lstStyle/>
           <a:p>
             <a:r>
-              <a:rPr lang="en-US" altLang="zh-CN" sz="2400" dirty="0">
+              <a:rPr lang="en-US" altLang="zh-CN" dirty="0">
                 <a:latin typeface="Times New Roman" panose="02020603050405020304" pitchFamily="18" charset="0"/>
                 <a:cs typeface="Times New Roman" panose="02020603050405020304" pitchFamily="18" charset="0"/>
               </a:rPr>
               <a:t>(d) </a:t>
             </a:r>
             <a:r>
-              <a:rPr lang="en-US" altLang="zh-CN" sz="2400" dirty="0" err="1">
+              <a:rPr lang="en-US" altLang="zh-CN" dirty="0" err="1">
                 <a:latin typeface="Times New Roman" panose="02020603050405020304" pitchFamily="18" charset="0"/>
                 <a:cs typeface="Times New Roman" panose="02020603050405020304" pitchFamily="18" charset="0"/>
               </a:rPr>
               <a:t>QKFormer</a:t>
             </a:r>
-            <a:endParaRPr lang="zh-CN" altLang="en-US" sz="2400" dirty="0">
+            <a:endParaRPr lang="zh-CN" altLang="en-US" dirty="0">
               <a:latin typeface="Times New Roman" panose="02020603050405020304" pitchFamily="18" charset="0"/>
               <a:cs typeface="Times New Roman" panose="02020603050405020304" pitchFamily="18" charset="0"/>
             </a:endParaRPr>
@@ -10510,7 +10238,7 @@
             </p:nvSpPr>
             <p:spPr>
               <a:xfrm>
-                <a:off x="7467601" y="5793389"/>
+                <a:off x="7416801" y="5793389"/>
                 <a:ext cx="804644" cy="461665"/>
               </a:xfrm>
               <a:prstGeom prst="rect">
@@ -10580,7 +10308,7 @@
             </p:nvSpPr>
             <p:spPr>
               <a:xfrm>
-                <a:off x="7467601" y="5793389"/>
+                <a:off x="7416801" y="5793389"/>
                 <a:ext cx="804644" cy="461665"/>
               </a:xfrm>
               <a:prstGeom prst="rect">
@@ -10622,7 +10350,7 @@
         </p:nvSpPr>
         <p:spPr>
           <a:xfrm>
-            <a:off x="7670707" y="6522261"/>
+            <a:off x="7619907" y="6522261"/>
             <a:ext cx="398433" cy="399639"/>
           </a:xfrm>
           <a:prstGeom prst="flowChartSummingJunction">
@@ -10679,7 +10407,7 @@
         </p:nvSpPr>
         <p:spPr>
           <a:xfrm>
-            <a:off x="8286713" y="6508361"/>
+            <a:off x="8235913" y="6508361"/>
             <a:ext cx="1210588" cy="400110"/>
           </a:xfrm>
           <a:prstGeom prst="rect">
@@ -10717,7 +10445,7 @@
         </p:nvGrpSpPr>
         <p:grpSpPr>
           <a:xfrm>
-            <a:off x="7670104" y="7189107"/>
+            <a:off x="7619304" y="7189107"/>
             <a:ext cx="399639" cy="399639"/>
             <a:chOff x="6259153" y="3179253"/>
             <a:chExt cx="331200" cy="331200"/>
@@ -10858,7 +10586,7 @@
         </p:nvSpPr>
         <p:spPr>
           <a:xfrm>
-            <a:off x="8286713" y="7175207"/>
+            <a:off x="8235913" y="7175207"/>
             <a:ext cx="3005951" cy="400110"/>
           </a:xfrm>
           <a:prstGeom prst="rect">
@@ -10896,7 +10624,7 @@
         </p:nvGrpSpPr>
         <p:grpSpPr>
           <a:xfrm>
-            <a:off x="7670104" y="7855953"/>
+            <a:off x="7619304" y="7855953"/>
             <a:ext cx="399639" cy="420114"/>
             <a:chOff x="7914316" y="9144273"/>
             <a:chExt cx="399639" cy="420114"/>
@@ -11188,7 +10916,7 @@
             </p:nvSpPr>
             <p:spPr>
               <a:xfrm>
-                <a:off x="8286713" y="7862528"/>
+                <a:off x="8235913" y="7862528"/>
                 <a:ext cx="1875385" cy="400110"/>
               </a:xfrm>
               <a:prstGeom prst="rect">
@@ -11247,7 +10975,7 @@
             </p:nvSpPr>
             <p:spPr>
               <a:xfrm>
-                <a:off x="8286713" y="7862528"/>
+                <a:off x="8235913" y="7862528"/>
                 <a:ext cx="1875385" cy="400110"/>
               </a:xfrm>
               <a:prstGeom prst="rect">
@@ -11289,7 +11017,7 @@
         </p:nvGrpSpPr>
         <p:grpSpPr>
           <a:xfrm>
-            <a:off x="7670104" y="8543274"/>
+            <a:off x="7619304" y="8543274"/>
             <a:ext cx="399639" cy="399639"/>
             <a:chOff x="7914316" y="9144273"/>
             <a:chExt cx="399639" cy="399639"/>
@@ -11447,7 +11175,7 @@
                   <a:avLst/>
                 </a:prstGeom>
                 <a:blipFill>
-                  <a:blip r:embed="rId11"/>
+                  <a:blip r:embed="rId15"/>
                   <a:stretch>
                     <a:fillRect l="-203571" t="-158140" r="-214286" b="-216279"/>
                   </a:stretch>
@@ -11543,7 +11271,7 @@
                   <a:avLst/>
                 </a:prstGeom>
                 <a:blipFill>
-                  <a:blip r:embed="rId15"/>
+                  <a:blip r:embed="rId16"/>
                   <a:stretch>
                     <a:fillRect l="-25000" r="-25000" b="-10714"/>
                   </a:stretch>
@@ -11581,7 +11309,7 @@
             </p:nvSpPr>
             <p:spPr>
               <a:xfrm>
-                <a:off x="8286713" y="8529373"/>
+                <a:off x="8235913" y="8529373"/>
                 <a:ext cx="1880771" cy="400110"/>
               </a:xfrm>
               <a:prstGeom prst="rect">
@@ -11640,14 +11368,14 @@
             </p:nvSpPr>
             <p:spPr>
               <a:xfrm>
-                <a:off x="8286713" y="8529373"/>
+                <a:off x="8235913" y="8529373"/>
                 <a:ext cx="1880771" cy="400110"/>
               </a:xfrm>
               <a:prstGeom prst="rect">
                 <a:avLst/>
               </a:prstGeom>
               <a:blipFill>
-                <a:blip r:embed="rId16"/>
+                <a:blip r:embed="rId17"/>
                 <a:stretch>
                   <a:fillRect l="-3236" t="-10606" r="-3236" b="-22727"/>
                 </a:stretch>
@@ -11684,7 +11412,7 @@
             </p:nvSpPr>
             <p:spPr>
               <a:xfrm>
-                <a:off x="8286713" y="5841515"/>
+                <a:off x="8235913" y="5841515"/>
                 <a:ext cx="3479542" cy="400110"/>
               </a:xfrm>
               <a:prstGeom prst="rect">
@@ -11790,14 +11518,14 @@
             </p:nvSpPr>
             <p:spPr>
               <a:xfrm>
-                <a:off x="8286713" y="5841515"/>
+                <a:off x="8235913" y="5841515"/>
                 <a:ext cx="3479542" cy="400110"/>
               </a:xfrm>
               <a:prstGeom prst="rect">
                 <a:avLst/>
               </a:prstGeom>
               <a:blipFill>
-                <a:blip r:embed="rId17"/>
+                <a:blip r:embed="rId18"/>
                 <a:stretch>
                   <a:fillRect t="-10606" r="-1226" b="-22727"/>
                 </a:stretch>
@@ -11832,7 +11560,7 @@
         </p:nvSpPr>
         <p:spPr>
           <a:xfrm>
-            <a:off x="8902673" y="5169824"/>
+            <a:off x="8851873" y="5169824"/>
             <a:ext cx="1338828" cy="646331"/>
           </a:xfrm>
           <a:prstGeom prst="rect">
@@ -11948,7 +11676,7 @@
                 <a:avLst/>
               </a:prstGeom>
               <a:blipFill>
-                <a:blip r:embed="rId18"/>
+                <a:blip r:embed="rId19"/>
                 <a:stretch>
                   <a:fillRect l="-926" b="-16667"/>
                 </a:stretch>
@@ -12061,7 +11789,7 @@
                 <a:avLst/>
               </a:prstGeom>
               <a:blipFill>
-                <a:blip r:embed="rId19"/>
+                <a:blip r:embed="rId20"/>
                 <a:stretch>
                   <a:fillRect b="-16667"/>
                 </a:stretch>
@@ -12174,7 +11902,7 @@
                 <a:avLst/>
               </a:prstGeom>
               <a:blipFill>
-                <a:blip r:embed="rId20"/>
+                <a:blip r:embed="rId21"/>
                 <a:stretch>
                   <a:fillRect b="-16667"/>
                 </a:stretch>
@@ -12287,7 +12015,7 @@
                 <a:avLst/>
               </a:prstGeom>
               <a:blipFill>
-                <a:blip r:embed="rId21"/>
+                <a:blip r:embed="rId22"/>
                 <a:stretch>
                   <a:fillRect l="-926" b="-16667"/>
                 </a:stretch>
@@ -12400,7 +12128,7 @@
                 <a:avLst/>
               </a:prstGeom>
               <a:blipFill>
-                <a:blip r:embed="rId22"/>
+                <a:blip r:embed="rId23"/>
                 <a:stretch>
                   <a:fillRect b="-16667"/>
                 </a:stretch>
@@ -12513,7 +12241,7 @@
                 <a:avLst/>
               </a:prstGeom>
               <a:blipFill>
-                <a:blip r:embed="rId23"/>
+                <a:blip r:embed="rId24"/>
                 <a:stretch>
                   <a:fillRect b="-16667"/>
                 </a:stretch>
@@ -12626,7 +12354,7 @@
                 <a:avLst/>
               </a:prstGeom>
               <a:blipFill>
-                <a:blip r:embed="rId24"/>
+                <a:blip r:embed="rId25"/>
                 <a:stretch>
                   <a:fillRect l="-926" b="-14754"/>
                 </a:stretch>
@@ -12739,7 +12467,7 @@
                 <a:avLst/>
               </a:prstGeom>
               <a:blipFill>
-                <a:blip r:embed="rId25"/>
+                <a:blip r:embed="rId26"/>
                 <a:stretch>
                   <a:fillRect b="-14754"/>
                 </a:stretch>
@@ -12776,7 +12504,7 @@
             </p:nvSpPr>
             <p:spPr>
               <a:xfrm>
-                <a:off x="3365348" y="7874621"/>
+                <a:off x="4025748" y="7874621"/>
                 <a:ext cx="709681" cy="369332"/>
               </a:xfrm>
               <a:prstGeom prst="rect">
@@ -12845,16 +12573,16 @@
             </p:nvSpPr>
             <p:spPr>
               <a:xfrm>
-                <a:off x="3365348" y="7874621"/>
+                <a:off x="4025748" y="7874621"/>
                 <a:ext cx="709681" cy="369332"/>
               </a:xfrm>
               <a:prstGeom prst="rect">
                 <a:avLst/>
               </a:prstGeom>
               <a:blipFill>
-                <a:blip r:embed="rId26"/>
+                <a:blip r:embed="rId27"/>
                 <a:stretch>
-                  <a:fillRect l="-2586" b="-16667"/>
+                  <a:fillRect l="-1709" b="-16667"/>
                 </a:stretch>
               </a:blipFill>
             </p:spPr>
@@ -12889,7 +12617,7 @@
             </p:nvSpPr>
             <p:spPr>
               <a:xfrm>
-                <a:off x="4639030" y="7874621"/>
+                <a:off x="5299430" y="7874621"/>
                 <a:ext cx="716093" cy="369332"/>
               </a:xfrm>
               <a:prstGeom prst="rect">
@@ -12958,14 +12686,14 @@
             </p:nvSpPr>
             <p:spPr>
               <a:xfrm>
-                <a:off x="4639030" y="7874621"/>
+                <a:off x="5299430" y="7874621"/>
                 <a:ext cx="716093" cy="369332"/>
               </a:xfrm>
               <a:prstGeom prst="rect">
                 <a:avLst/>
               </a:prstGeom>
               <a:blipFill>
-                <a:blip r:embed="rId27"/>
+                <a:blip r:embed="rId28"/>
                 <a:stretch>
                   <a:fillRect b="-16667"/>
                 </a:stretch>
@@ -12986,6 +12714,419 @@
           </p:sp>
         </mc:Fallback>
       </mc:AlternateContent>
+      <p:grpSp>
+        <p:nvGrpSpPr>
+          <p:cNvPr id="211" name="组合 210">
+            <a:extLst>
+              <a:ext uri="{FF2B5EF4-FFF2-40B4-BE49-F238E27FC236}">
+                <a16:creationId xmlns:a16="http://schemas.microsoft.com/office/drawing/2014/main" id="{03F1987C-81D3-4AD8-9EA8-9F1B639C9332}"/>
+              </a:ext>
+            </a:extLst>
+          </p:cNvPr>
+          <p:cNvGrpSpPr/>
+          <p:nvPr/>
+        </p:nvGrpSpPr>
+        <p:grpSpPr>
+          <a:xfrm>
+            <a:off x="3057650" y="6216225"/>
+            <a:ext cx="962499" cy="1063792"/>
+            <a:chOff x="408177" y="540927"/>
+            <a:chExt cx="797668" cy="881615"/>
+          </a:xfrm>
+          <a:solidFill>
+            <a:schemeClr val="accent4">
+              <a:lumMod val="20000"/>
+              <a:lumOff val="80000"/>
+            </a:schemeClr>
+          </a:solidFill>
+        </p:grpSpPr>
+        <p:sp>
+          <p:nvSpPr>
+            <p:cNvPr id="215" name="矩形 214">
+              <a:extLst>
+                <a:ext uri="{FF2B5EF4-FFF2-40B4-BE49-F238E27FC236}">
+                  <a16:creationId xmlns:a16="http://schemas.microsoft.com/office/drawing/2014/main" id="{6BC62048-4018-4C7C-9B0B-349DD343A43A}"/>
+                </a:ext>
+              </a:extLst>
+            </p:cNvPr>
+            <p:cNvSpPr/>
+            <p:nvPr/>
+          </p:nvSpPr>
+          <p:spPr>
+            <a:xfrm>
+              <a:off x="408177" y="540927"/>
+              <a:ext cx="797668" cy="356681"/>
+            </a:xfrm>
+            <a:prstGeom prst="rect">
+              <a:avLst/>
+            </a:prstGeom>
+            <a:grpFill/>
+          </p:spPr>
+          <p:style>
+            <a:lnRef idx="2">
+              <a:schemeClr val="dk1"/>
+            </a:lnRef>
+            <a:fillRef idx="1">
+              <a:schemeClr val="lt1"/>
+            </a:fillRef>
+            <a:effectRef idx="0">
+              <a:schemeClr val="dk1"/>
+            </a:effectRef>
+            <a:fontRef idx="minor">
+              <a:schemeClr val="dk1"/>
+            </a:fontRef>
+          </p:style>
+          <p:txBody>
+            <a:bodyPr rtlCol="0" anchor="ctr"/>
+            <a:lstStyle/>
+            <a:p>
+              <a:pPr algn="ctr"/>
+              <a:r>
+                <a:rPr lang="en-US" altLang="zh-CN" sz="2000" dirty="0">
+                  <a:latin typeface="Times New Roman" panose="02020603050405020304" pitchFamily="18" charset="0"/>
+                  <a:cs typeface="Times New Roman" panose="02020603050405020304" pitchFamily="18" charset="0"/>
+                </a:rPr>
+                <a:t>SN</a:t>
+              </a:r>
+              <a:endParaRPr lang="zh-CN" altLang="en-US" sz="2000" dirty="0">
+                <a:latin typeface="Times New Roman" panose="02020603050405020304" pitchFamily="18" charset="0"/>
+                <a:cs typeface="Times New Roman" panose="02020603050405020304" pitchFamily="18" charset="0"/>
+              </a:endParaRPr>
+            </a:p>
+          </p:txBody>
+        </p:sp>
+        <p:sp>
+          <p:nvSpPr>
+            <p:cNvPr id="220" name="矩形 219">
+              <a:extLst>
+                <a:ext uri="{FF2B5EF4-FFF2-40B4-BE49-F238E27FC236}">
+                  <a16:creationId xmlns:a16="http://schemas.microsoft.com/office/drawing/2014/main" id="{73A6CD34-8D64-454F-AC83-DEECD632C545}"/>
+                </a:ext>
+              </a:extLst>
+            </p:cNvPr>
+            <p:cNvSpPr/>
+            <p:nvPr/>
+          </p:nvSpPr>
+          <p:spPr>
+            <a:xfrm>
+              <a:off x="408177" y="1065861"/>
+              <a:ext cx="797668" cy="356681"/>
+            </a:xfrm>
+            <a:prstGeom prst="rect">
+              <a:avLst/>
+            </a:prstGeom>
+            <a:grpFill/>
+          </p:spPr>
+          <p:style>
+            <a:lnRef idx="2">
+              <a:schemeClr val="dk1"/>
+            </a:lnRef>
+            <a:fillRef idx="1">
+              <a:schemeClr val="lt1"/>
+            </a:fillRef>
+            <a:effectRef idx="0">
+              <a:schemeClr val="dk1"/>
+            </a:effectRef>
+            <a:fontRef idx="minor">
+              <a:schemeClr val="dk1"/>
+            </a:fontRef>
+          </p:style>
+          <p:txBody>
+            <a:bodyPr rtlCol="0" anchor="ctr"/>
+            <a:lstStyle/>
+            <a:p>
+              <a:pPr algn="ctr"/>
+              <a:r>
+                <a:rPr lang="en-US" altLang="zh-CN" sz="2000" dirty="0">
+                  <a:latin typeface="Times New Roman" panose="02020603050405020304" pitchFamily="18" charset="0"/>
+                  <a:cs typeface="Times New Roman" panose="02020603050405020304" pitchFamily="18" charset="0"/>
+                </a:rPr>
+                <a:t>BN</a:t>
+              </a:r>
+              <a:endParaRPr lang="zh-CN" altLang="en-US" sz="2000" dirty="0">
+                <a:latin typeface="Times New Roman" panose="02020603050405020304" pitchFamily="18" charset="0"/>
+                <a:cs typeface="Times New Roman" panose="02020603050405020304" pitchFamily="18" charset="0"/>
+              </a:endParaRPr>
+            </a:p>
+          </p:txBody>
+        </p:sp>
+      </p:grpSp>
+      <p:sp>
+        <p:nvSpPr>
+          <p:cNvPr id="226" name="矩形 225">
+            <a:extLst>
+              <a:ext uri="{FF2B5EF4-FFF2-40B4-BE49-F238E27FC236}">
+                <a16:creationId xmlns:a16="http://schemas.microsoft.com/office/drawing/2014/main" id="{D76B4800-B105-4E6B-BAF7-EA3A056F1E6D}"/>
+              </a:ext>
+            </a:extLst>
+          </p:cNvPr>
+          <p:cNvSpPr/>
+          <p:nvPr/>
+        </p:nvSpPr>
+        <p:spPr>
+          <a:xfrm>
+            <a:off x="3057650" y="7492800"/>
+            <a:ext cx="962499" cy="430386"/>
+          </a:xfrm>
+          <a:prstGeom prst="rect">
+            <a:avLst/>
+          </a:prstGeom>
+          <a:solidFill>
+            <a:schemeClr val="accent4">
+              <a:lumMod val="20000"/>
+              <a:lumOff val="80000"/>
+            </a:schemeClr>
+          </a:solidFill>
+        </p:spPr>
+        <p:style>
+          <a:lnRef idx="2">
+            <a:schemeClr val="dk1"/>
+          </a:lnRef>
+          <a:fillRef idx="1">
+            <a:schemeClr val="lt1"/>
+          </a:fillRef>
+          <a:effectRef idx="0">
+            <a:schemeClr val="dk1"/>
+          </a:effectRef>
+          <a:fontRef idx="minor">
+            <a:schemeClr val="dk1"/>
+          </a:fontRef>
+        </p:style>
+        <p:txBody>
+          <a:bodyPr rtlCol="0" anchor="ctr"/>
+          <a:lstStyle/>
+          <a:p>
+            <a:pPr algn="ctr"/>
+            <a:r>
+              <a:rPr lang="en-US" altLang="zh-CN" sz="2000" dirty="0">
+                <a:latin typeface="Times New Roman" panose="02020603050405020304" pitchFamily="18" charset="0"/>
+                <a:cs typeface="Times New Roman" panose="02020603050405020304" pitchFamily="18" charset="0"/>
+              </a:rPr>
+              <a:t>Linear</a:t>
+            </a:r>
+            <a:endParaRPr lang="zh-CN" altLang="en-US" sz="2000" dirty="0">
+              <a:latin typeface="Times New Roman" panose="02020603050405020304" pitchFamily="18" charset="0"/>
+              <a:cs typeface="Times New Roman" panose="02020603050405020304" pitchFamily="18" charset="0"/>
+            </a:endParaRPr>
+          </a:p>
+        </p:txBody>
+      </p:sp>
+      <p:cxnSp>
+        <p:nvCxnSpPr>
+          <p:cNvPr id="48" name="直接箭头连接符 47">
+            <a:extLst>
+              <a:ext uri="{FF2B5EF4-FFF2-40B4-BE49-F238E27FC236}">
+                <a16:creationId xmlns:a16="http://schemas.microsoft.com/office/drawing/2014/main" id="{ABA7F132-5AEA-46E3-877F-225248542C67}"/>
+              </a:ext>
+            </a:extLst>
+          </p:cNvPr>
+          <p:cNvCxnSpPr>
+            <a:stCxn id="226" idx="0"/>
+            <a:endCxn id="220" idx="2"/>
+          </p:cNvCxnSpPr>
+          <p:nvPr/>
+        </p:nvCxnSpPr>
+        <p:spPr>
+          <a:xfrm flipV="1">
+            <a:off x="3538900" y="7280017"/>
+            <a:ext cx="0" cy="212783"/>
+          </a:xfrm>
+          <a:prstGeom prst="straightConnector1">
+            <a:avLst/>
+          </a:prstGeom>
+          <a:ln>
+            <a:tailEnd type="triangle"/>
+          </a:ln>
+        </p:spPr>
+        <p:style>
+          <a:lnRef idx="1">
+            <a:schemeClr val="dk1"/>
+          </a:lnRef>
+          <a:fillRef idx="0">
+            <a:schemeClr val="dk1"/>
+          </a:fillRef>
+          <a:effectRef idx="0">
+            <a:schemeClr val="dk1"/>
+          </a:effectRef>
+          <a:fontRef idx="minor">
+            <a:schemeClr val="tx1"/>
+          </a:fontRef>
+        </p:style>
+      </p:cxnSp>
+      <p:cxnSp>
+        <p:nvCxnSpPr>
+          <p:cNvPr id="50" name="直接箭头连接符 49">
+            <a:extLst>
+              <a:ext uri="{FF2B5EF4-FFF2-40B4-BE49-F238E27FC236}">
+                <a16:creationId xmlns:a16="http://schemas.microsoft.com/office/drawing/2014/main" id="{C5C0E7D7-D9D7-4887-8269-A857C9A7A3F4}"/>
+              </a:ext>
+            </a:extLst>
+          </p:cNvPr>
+          <p:cNvCxnSpPr>
+            <a:stCxn id="220" idx="0"/>
+            <a:endCxn id="215" idx="2"/>
+          </p:cNvCxnSpPr>
+          <p:nvPr/>
+        </p:nvCxnSpPr>
+        <p:spPr>
+          <a:xfrm flipV="1">
+            <a:off x="3538900" y="6646611"/>
+            <a:ext cx="0" cy="203020"/>
+          </a:xfrm>
+          <a:prstGeom prst="straightConnector1">
+            <a:avLst/>
+          </a:prstGeom>
+          <a:ln>
+            <a:tailEnd type="triangle"/>
+          </a:ln>
+        </p:spPr>
+        <p:style>
+          <a:lnRef idx="1">
+            <a:schemeClr val="dk1"/>
+          </a:lnRef>
+          <a:fillRef idx="0">
+            <a:schemeClr val="dk1"/>
+          </a:fillRef>
+          <a:effectRef idx="0">
+            <a:schemeClr val="dk1"/>
+          </a:effectRef>
+          <a:fontRef idx="minor">
+            <a:schemeClr val="tx1"/>
+          </a:fontRef>
+        </p:style>
+      </p:cxnSp>
+      <p:cxnSp>
+        <p:nvCxnSpPr>
+          <p:cNvPr id="54" name="连接符: 肘形 53">
+            <a:extLst>
+              <a:ext uri="{FF2B5EF4-FFF2-40B4-BE49-F238E27FC236}">
+                <a16:creationId xmlns:a16="http://schemas.microsoft.com/office/drawing/2014/main" id="{24F2AB6F-F41A-43FC-A74F-B52A8C636988}"/>
+              </a:ext>
+            </a:extLst>
+          </p:cNvPr>
+          <p:cNvCxnSpPr>
+            <a:cxnSpLocks/>
+            <a:stCxn id="215" idx="0"/>
+            <a:endCxn id="367" idx="0"/>
+          </p:cNvCxnSpPr>
+          <p:nvPr/>
+        </p:nvCxnSpPr>
+        <p:spPr>
+          <a:xfrm rot="5400000" flipH="1" flipV="1">
+            <a:off x="4103229" y="5647204"/>
+            <a:ext cx="4692" cy="1133350"/>
+          </a:xfrm>
+          <a:prstGeom prst="bentConnector3">
+            <a:avLst>
+              <a:gd name="adj1" fmla="val 12320247"/>
+            </a:avLst>
+          </a:prstGeom>
+          <a:ln>
+            <a:tailEnd type="triangle"/>
+          </a:ln>
+        </p:spPr>
+        <p:style>
+          <a:lnRef idx="1">
+            <a:schemeClr val="dk1"/>
+          </a:lnRef>
+          <a:fillRef idx="0">
+            <a:schemeClr val="dk1"/>
+          </a:fillRef>
+          <a:effectRef idx="0">
+            <a:schemeClr val="dk1"/>
+          </a:effectRef>
+          <a:fontRef idx="minor">
+            <a:schemeClr val="tx1"/>
+          </a:fontRef>
+        </p:style>
+      </p:cxnSp>
+      <p:cxnSp>
+        <p:nvCxnSpPr>
+          <p:cNvPr id="57" name="连接符: 肘形 56">
+            <a:extLst>
+              <a:ext uri="{FF2B5EF4-FFF2-40B4-BE49-F238E27FC236}">
+                <a16:creationId xmlns:a16="http://schemas.microsoft.com/office/drawing/2014/main" id="{6AD470C8-063E-4739-87A1-B0D372F12407}"/>
+              </a:ext>
+            </a:extLst>
+          </p:cNvPr>
+          <p:cNvCxnSpPr>
+            <a:stCxn id="307" idx="6"/>
+            <a:endCxn id="226" idx="2"/>
+          </p:cNvCxnSpPr>
+          <p:nvPr/>
+        </p:nvCxnSpPr>
+        <p:spPr>
+          <a:xfrm flipV="1">
+            <a:off x="2617341" y="7923186"/>
+            <a:ext cx="921559" cy="472674"/>
+          </a:xfrm>
+          <a:prstGeom prst="bentConnector2">
+            <a:avLst/>
+          </a:prstGeom>
+          <a:ln>
+            <a:tailEnd type="triangle"/>
+          </a:ln>
+        </p:spPr>
+        <p:style>
+          <a:lnRef idx="1">
+            <a:schemeClr val="dk1"/>
+          </a:lnRef>
+          <a:fillRef idx="0">
+            <a:schemeClr val="dk1"/>
+          </a:fillRef>
+          <a:effectRef idx="0">
+            <a:schemeClr val="dk1"/>
+          </a:effectRef>
+          <a:fontRef idx="minor">
+            <a:schemeClr val="tx1"/>
+          </a:fontRef>
+        </p:style>
+      </p:cxnSp>
+      <p:cxnSp>
+        <p:nvCxnSpPr>
+          <p:cNvPr id="7" name="连接符: 肘形 6">
+            <a:extLst>
+              <a:ext uri="{FF2B5EF4-FFF2-40B4-BE49-F238E27FC236}">
+                <a16:creationId xmlns:a16="http://schemas.microsoft.com/office/drawing/2014/main" id="{B7E362CA-F475-4009-98FC-4DB88D03BB79}"/>
+              </a:ext>
+            </a:extLst>
+          </p:cNvPr>
+          <p:cNvCxnSpPr>
+            <a:cxnSpLocks/>
+            <a:stCxn id="215" idx="0"/>
+            <a:endCxn id="373" idx="0"/>
+          </p:cNvCxnSpPr>
+          <p:nvPr/>
+        </p:nvCxnSpPr>
+        <p:spPr>
+          <a:xfrm rot="5400000" flipH="1" flipV="1">
+            <a:off x="4825103" y="4925330"/>
+            <a:ext cx="4692" cy="2577099"/>
+          </a:xfrm>
+          <a:prstGeom prst="bentConnector3">
+            <a:avLst>
+              <a:gd name="adj1" fmla="val 12320205"/>
+            </a:avLst>
+          </a:prstGeom>
+          <a:ln>
+            <a:tailEnd type="triangle"/>
+          </a:ln>
+        </p:spPr>
+        <p:style>
+          <a:lnRef idx="1">
+            <a:schemeClr val="dk1"/>
+          </a:lnRef>
+          <a:fillRef idx="0">
+            <a:schemeClr val="dk1"/>
+          </a:fillRef>
+          <a:effectRef idx="0">
+            <a:schemeClr val="dk1"/>
+          </a:effectRef>
+          <a:fontRef idx="minor">
+            <a:schemeClr val="tx1"/>
+          </a:fontRef>
+        </p:style>
+      </p:cxnSp>
     </p:spTree>
     <p:extLst>
       <p:ext uri="{BB962C8B-B14F-4D97-AF65-F5344CB8AC3E}">

--- a/data/attention.pptx
+++ b/data/attention.pptx
@@ -243,7 +243,7 @@
           <a:p>
             <a:fld id="{6E812B49-C34D-4B21-BFCA-C80A706FBFD8}" type="datetimeFigureOut">
               <a:rPr lang="zh-CN" altLang="en-US" smtClean="0"/>
-              <a:t>2024/7/30</a:t>
+              <a:t>2024-12-02</a:t>
             </a:fld>
             <a:endParaRPr lang="zh-CN" altLang="en-US"/>
           </a:p>
@@ -413,7 +413,7 @@
           <a:p>
             <a:fld id="{6E812B49-C34D-4B21-BFCA-C80A706FBFD8}" type="datetimeFigureOut">
               <a:rPr lang="zh-CN" altLang="en-US" smtClean="0"/>
-              <a:t>2024/7/30</a:t>
+              <a:t>2024-12-02</a:t>
             </a:fld>
             <a:endParaRPr lang="zh-CN" altLang="en-US"/>
           </a:p>
@@ -593,7 +593,7 @@
           <a:p>
             <a:fld id="{6E812B49-C34D-4B21-BFCA-C80A706FBFD8}" type="datetimeFigureOut">
               <a:rPr lang="zh-CN" altLang="en-US" smtClean="0"/>
-              <a:t>2024/7/30</a:t>
+              <a:t>2024-12-02</a:t>
             </a:fld>
             <a:endParaRPr lang="zh-CN" altLang="en-US"/>
           </a:p>
@@ -763,7 +763,7 @@
           <a:p>
             <a:fld id="{6E812B49-C34D-4B21-BFCA-C80A706FBFD8}" type="datetimeFigureOut">
               <a:rPr lang="zh-CN" altLang="en-US" smtClean="0"/>
-              <a:t>2024/7/30</a:t>
+              <a:t>2024-12-02</a:t>
             </a:fld>
             <a:endParaRPr lang="zh-CN" altLang="en-US"/>
           </a:p>
@@ -1007,7 +1007,7 @@
           <a:p>
             <a:fld id="{6E812B49-C34D-4B21-BFCA-C80A706FBFD8}" type="datetimeFigureOut">
               <a:rPr lang="zh-CN" altLang="en-US" smtClean="0"/>
-              <a:t>2024/7/30</a:t>
+              <a:t>2024-12-02</a:t>
             </a:fld>
             <a:endParaRPr lang="zh-CN" altLang="en-US"/>
           </a:p>
@@ -1239,7 +1239,7 @@
           <a:p>
             <a:fld id="{6E812B49-C34D-4B21-BFCA-C80A706FBFD8}" type="datetimeFigureOut">
               <a:rPr lang="zh-CN" altLang="en-US" smtClean="0"/>
-              <a:t>2024/7/30</a:t>
+              <a:t>2024-12-02</a:t>
             </a:fld>
             <a:endParaRPr lang="zh-CN" altLang="en-US"/>
           </a:p>
@@ -1606,7 +1606,7 @@
           <a:p>
             <a:fld id="{6E812B49-C34D-4B21-BFCA-C80A706FBFD8}" type="datetimeFigureOut">
               <a:rPr lang="zh-CN" altLang="en-US" smtClean="0"/>
-              <a:t>2024/7/30</a:t>
+              <a:t>2024-12-02</a:t>
             </a:fld>
             <a:endParaRPr lang="zh-CN" altLang="en-US"/>
           </a:p>
@@ -1724,7 +1724,7 @@
           <a:p>
             <a:fld id="{6E812B49-C34D-4B21-BFCA-C80A706FBFD8}" type="datetimeFigureOut">
               <a:rPr lang="zh-CN" altLang="en-US" smtClean="0"/>
-              <a:t>2024/7/30</a:t>
+              <a:t>2024-12-02</a:t>
             </a:fld>
             <a:endParaRPr lang="zh-CN" altLang="en-US"/>
           </a:p>
@@ -1819,7 +1819,7 @@
           <a:p>
             <a:fld id="{6E812B49-C34D-4B21-BFCA-C80A706FBFD8}" type="datetimeFigureOut">
               <a:rPr lang="zh-CN" altLang="en-US" smtClean="0"/>
-              <a:t>2024/7/30</a:t>
+              <a:t>2024-12-02</a:t>
             </a:fld>
             <a:endParaRPr lang="zh-CN" altLang="en-US"/>
           </a:p>
@@ -2096,7 +2096,7 @@
           <a:p>
             <a:fld id="{6E812B49-C34D-4B21-BFCA-C80A706FBFD8}" type="datetimeFigureOut">
               <a:rPr lang="zh-CN" altLang="en-US" smtClean="0"/>
-              <a:t>2024/7/30</a:t>
+              <a:t>2024-12-02</a:t>
             </a:fld>
             <a:endParaRPr lang="zh-CN" altLang="en-US"/>
           </a:p>
@@ -2353,7 +2353,7 @@
           <a:p>
             <a:fld id="{6E812B49-C34D-4B21-BFCA-C80A706FBFD8}" type="datetimeFigureOut">
               <a:rPr lang="zh-CN" altLang="en-US" smtClean="0"/>
-              <a:t>2024/7/30</a:t>
+              <a:t>2024-12-02</a:t>
             </a:fld>
             <a:endParaRPr lang="zh-CN" altLang="en-US"/>
           </a:p>
@@ -2566,7 +2566,7 @@
           <a:p>
             <a:fld id="{6E812B49-C34D-4B21-BFCA-C80A706FBFD8}" type="datetimeFigureOut">
               <a:rPr lang="zh-CN" altLang="en-US" smtClean="0"/>
-              <a:t>2024/7/30</a:t>
+              <a:t>2024-12-02</a:t>
             </a:fld>
             <a:endParaRPr lang="zh-CN" altLang="en-US"/>
           </a:p>
